--- a/lecture19/CSE384Lecture19.pptx
+++ b/lecture19/CSE384Lecture19.pptx
@@ -107,6 +107,11 @@
       </a:defRPr>
     </a:lvl9pPr>
   </p:defaultTextStyle>
+  <p:extLst>
+    <p:ext uri="{EFAFB233-063F-42B5-8137-9DF3F51BA10A}">
+      <p15:sldGuideLst xmlns:p15="http://schemas.microsoft.com/office/powerpoint/2012/main"/>
+    </p:ext>
+  </p:extLst>
 </p:presentation>
 </file>
 
@@ -3468,12 +3473,14 @@
           </a:xfrm>
         </p:spPr>
         <p:txBody>
-          <a:bodyPr/>
+          <a:bodyPr>
+            <a:normAutofit/>
+          </a:bodyPr>
           <a:lstStyle/>
           <a:p>
             <a:r>
               <a:rPr lang="en-US" dirty="0"/>
-              <a:t>Open/Read Write System Call (Geeks For Geeks example) </a:t>
+              <a:t>Open/Read/Write System Call (Geeks For Geeks example) </a:t>
             </a:r>
           </a:p>
           <a:p>
@@ -3482,12 +3489,8 @@
               <a:rPr lang="en-US" dirty="0">
                 <a:hlinkClick r:id="rId2"/>
               </a:rPr>
-              <a:t>https://mwcorley79.github.io/MikeCorley/lecture18/cse384_lecture18.html</a:t>
-            </a:r>
-            <a:endParaRPr lang="en-US" dirty="0"/>
-          </a:p>
-          <a:p>
-            <a:pPr lvl="1"/>
+              <a:t>https://www.geeksforgeeks.org/input-output-system-calls-c-create-open-close-read-write/</a:t>
+            </a:r>
             <a:endParaRPr lang="en-US" dirty="0"/>
           </a:p>
           <a:p>
@@ -3661,10 +3664,10 @@
           <a:p>
             <a:pPr lvl="1"/>
             <a:r>
-              <a:rPr lang="en-US" dirty="0">
+              <a:rPr lang="en-US">
                 <a:hlinkClick r:id="rId3"/>
               </a:rPr>
-              <a:t>https://mwcorley79.github.io/MikeCorley/lecture19/code/serialize.cpp</a:t>
+              <a:t>https://mwcorley79.github.io/MikeCorley/lecture19/code/serialize/serialize.cpp</a:t>
             </a:r>
             <a:endParaRPr lang="en-US" dirty="0"/>
           </a:p>
